--- a/andfa/FAND.pptx
+++ b/andfa/FAND.pptx
@@ -5,12 +5,13 @@
     <p:sldMasterId id="2147483649" r:id="rId1"/>
   </p:sldMasterIdLst>
   <p:notesMasterIdLst>
-    <p:notesMasterId r:id="rId5"/>
+    <p:notesMasterId r:id="rId6"/>
   </p:notesMasterIdLst>
   <p:sldIdLst>
     <p:sldId id="256" r:id="rId2"/>
     <p:sldId id="269" r:id="rId3"/>
-    <p:sldId id="268" r:id="rId4"/>
+    <p:sldId id="270" r:id="rId4"/>
+    <p:sldId id="268" r:id="rId5"/>
   </p:sldIdLst>
   <p:sldSz cx="9144000" cy="6858000" type="screen4x3"/>
   <p:notesSz cx="7099300" cy="10234613"/>
@@ -5523,7 +5524,7 @@
           <a:p>
             <a:r>
               <a:rPr lang="en-US" altLang="zh-TW" dirty="0"/>
-              <a:t>RNM (width)</a:t>
+              <a:t>SNM (width)</a:t>
             </a:r>
             <a:endParaRPr lang="zh-TW" altLang="en-US" dirty="0"/>
           </a:p>
@@ -5554,7 +5555,7 @@
               <a:p>
                 <a:r>
                   <a:rPr lang="en-US" altLang="zh-TW" dirty="0"/>
-                  <a:t>Noise margin </a:t>
+                  <a:t>Noise margin does not change</a:t>
                 </a:r>
                 <a14:m>
                   <m:oMath xmlns:m="http://schemas.openxmlformats.org/officeDocument/2006/math">
@@ -5563,7 +5564,7 @@
                         <a:latin typeface="Cambria Math" panose="02040503050406030204" pitchFamily="18" charset="0"/>
                         <a:ea typeface="Cambria Math" panose="02040503050406030204" pitchFamily="18" charset="0"/>
                       </a:rPr>
-                      <m:t>↑ </m:t>
+                      <m:t> </m:t>
                     </m:r>
                   </m:oMath>
                 </a14:m>
@@ -5575,21 +5576,6 @@
                   <a:rPr lang="en-US" altLang="zh-TW" dirty="0" err="1"/>
                   <a:t>Wa</a:t>
                 </a:r>
-                <a:r>
-                  <a:rPr lang="en-US" altLang="zh-TW" dirty="0"/>
-                  <a:t> </a:t>
-                </a:r>
-                <a14:m>
-                  <m:oMath xmlns:m="http://schemas.openxmlformats.org/officeDocument/2006/math">
-                    <m:r>
-                      <a:rPr lang="en-US" altLang="zh-TW" i="1" smtClean="0">
-                        <a:latin typeface="Cambria Math" panose="02040503050406030204" pitchFamily="18" charset="0"/>
-                        <a:ea typeface="Cambria Math" panose="02040503050406030204" pitchFamily="18" charset="0"/>
-                      </a:rPr>
-                      <m:t>↓</m:t>
-                    </m:r>
-                  </m:oMath>
-                </a14:m>
                 <a:endParaRPr lang="en-US" altLang="zh-TW" dirty="0"/>
               </a:p>
               <a:p>
@@ -5760,7 +5746,7 @@
                 <a:pPr algn="ctr"/>
                 <a:r>
                   <a:rPr lang="en-US" altLang="zh-TW" dirty="0"/>
-                  <a:t>0.214</a:t>
+                  <a:t>0.794</a:t>
                 </a:r>
                 <a:endParaRPr lang="zh-TW" altLang="en-US" dirty="0"/>
               </a:p>
@@ -5845,7 +5831,7 @@
                 <a:pPr algn="ctr"/>
                 <a:r>
                   <a:rPr lang="en-US" altLang="zh-TW" dirty="0"/>
-                  <a:t>0.263</a:t>
+                  <a:t>0.794</a:t>
                 </a:r>
                 <a:endParaRPr lang="zh-TW" altLang="en-US" dirty="0"/>
               </a:p>
@@ -5894,13 +5880,203 @@
               <a:pPr algn="ctr"/>
               <a:r>
                 <a:rPr lang="en-US" altLang="zh-TW" dirty="0"/>
-                <a:t>0. 199</a:t>
+                <a:t>0.794</a:t>
               </a:r>
               <a:endParaRPr lang="zh-TW" altLang="en-US" dirty="0"/>
             </a:p>
           </p:txBody>
         </p:sp>
       </p:grpSp>
+      <mc:AlternateContent xmlns:mc="http://schemas.openxmlformats.org/markup-compatibility/2006">
+        <mc:Choice xmlns:a14="http://schemas.microsoft.com/office/drawing/2010/main" Requires="a14">
+          <p:sp>
+            <p:nvSpPr>
+              <p:cNvPr id="6" name="文字方塊 5">
+                <a:extLst>
+                  <a:ext uri="{FF2B5EF4-FFF2-40B4-BE49-F238E27FC236}">
+                    <a16:creationId xmlns:a16="http://schemas.microsoft.com/office/drawing/2014/main" id="{1A882936-BF58-D3C9-3E14-1F602E707BF2}"/>
+                  </a:ext>
+                </a:extLst>
+              </p:cNvPr>
+              <p:cNvSpPr txBox="1"/>
+              <p:nvPr/>
+            </p:nvSpPr>
+            <p:spPr>
+              <a:xfrm>
+                <a:off x="3246430" y="3959531"/>
+                <a:ext cx="336631" cy="369332"/>
+              </a:xfrm>
+              <a:prstGeom prst="rect">
+                <a:avLst/>
+              </a:prstGeom>
+              <a:noFill/>
+            </p:spPr>
+            <p:txBody>
+              <a:bodyPr wrap="none" lIns="0" tIns="0" rIns="0" bIns="0" rtlCol="0">
+                <a:spAutoFit/>
+              </a:bodyPr>
+              <a:lstStyle/>
+              <a:p>
+                <a14:m>
+                  <m:oMathPara xmlns:m="http://schemas.openxmlformats.org/officeDocument/2006/math">
+                    <m:oMathParaPr>
+                      <m:jc m:val="centerGroup"/>
+                    </m:oMathParaPr>
+                    <m:oMath xmlns:m="http://schemas.openxmlformats.org/officeDocument/2006/math">
+                      <m:r>
+                        <a:rPr lang="en-US" altLang="zh-TW" sz="2400" b="1" i="1" smtClean="0">
+                          <a:latin typeface="Cambria Math" panose="02040503050406030204" pitchFamily="18" charset="0"/>
+                        </a:rPr>
+                        <m:t>=</m:t>
+                      </m:r>
+                    </m:oMath>
+                  </m:oMathPara>
+                </a14:m>
+                <a:endParaRPr lang="zh-TW" altLang="en-US" sz="2400" dirty="0"/>
+              </a:p>
+            </p:txBody>
+          </p:sp>
+        </mc:Choice>
+        <mc:Fallback>
+          <p:sp>
+            <p:nvSpPr>
+              <p:cNvPr id="6" name="文字方塊 5">
+                <a:extLst>
+                  <a:ext uri="{FF2B5EF4-FFF2-40B4-BE49-F238E27FC236}">
+                    <a16:creationId xmlns:a16="http://schemas.microsoft.com/office/drawing/2014/main" id="{1A882936-BF58-D3C9-3E14-1F602E707BF2}"/>
+                  </a:ext>
+                </a:extLst>
+              </p:cNvPr>
+              <p:cNvSpPr txBox="1">
+                <a:spLocks noRot="1" noChangeAspect="1" noMove="1" noResize="1" noEditPoints="1" noAdjustHandles="1" noChangeArrowheads="1" noChangeShapeType="1" noTextEdit="1"/>
+              </p:cNvSpPr>
+              <p:nvPr/>
+            </p:nvSpPr>
+            <p:spPr>
+              <a:xfrm>
+                <a:off x="3246430" y="3959531"/>
+                <a:ext cx="336631" cy="369332"/>
+              </a:xfrm>
+              <a:prstGeom prst="rect">
+                <a:avLst/>
+              </a:prstGeom>
+              <a:blipFill>
+                <a:blip r:embed="rId3"/>
+                <a:stretch>
+                  <a:fillRect l="-3636" r="-3636"/>
+                </a:stretch>
+              </a:blipFill>
+            </p:spPr>
+            <p:txBody>
+              <a:bodyPr/>
+              <a:lstStyle/>
+              <a:p>
+                <a:r>
+                  <a:rPr lang="zh-TW" altLang="en-US">
+                    <a:noFill/>
+                  </a:rPr>
+                  <a:t> </a:t>
+                </a:r>
+              </a:p>
+            </p:txBody>
+          </p:sp>
+        </mc:Fallback>
+      </mc:AlternateContent>
+      <mc:AlternateContent xmlns:mc="http://schemas.openxmlformats.org/markup-compatibility/2006">
+        <mc:Choice xmlns:a14="http://schemas.microsoft.com/office/drawing/2010/main" Requires="a14">
+          <p:sp>
+            <p:nvSpPr>
+              <p:cNvPr id="9" name="文字方塊 8">
+                <a:extLst>
+                  <a:ext uri="{FF2B5EF4-FFF2-40B4-BE49-F238E27FC236}">
+                    <a16:creationId xmlns:a16="http://schemas.microsoft.com/office/drawing/2014/main" id="{D9EB8EF8-D040-97F8-8EAE-B3F390FD828D}"/>
+                  </a:ext>
+                </a:extLst>
+              </p:cNvPr>
+              <p:cNvSpPr txBox="1"/>
+              <p:nvPr/>
+            </p:nvSpPr>
+            <p:spPr>
+              <a:xfrm>
+                <a:off x="5660278" y="3959531"/>
+                <a:ext cx="336631" cy="369332"/>
+              </a:xfrm>
+              <a:prstGeom prst="rect">
+                <a:avLst/>
+              </a:prstGeom>
+              <a:noFill/>
+            </p:spPr>
+            <p:txBody>
+              <a:bodyPr wrap="none" lIns="0" tIns="0" rIns="0" bIns="0" rtlCol="0">
+                <a:spAutoFit/>
+              </a:bodyPr>
+              <a:lstStyle/>
+              <a:p>
+                <a14:m>
+                  <m:oMathPara xmlns:m="http://schemas.openxmlformats.org/officeDocument/2006/math">
+                    <m:oMathParaPr>
+                      <m:jc m:val="centerGroup"/>
+                    </m:oMathParaPr>
+                    <m:oMath xmlns:m="http://schemas.openxmlformats.org/officeDocument/2006/math">
+                      <m:r>
+                        <a:rPr lang="en-US" altLang="zh-TW" sz="2400" b="1" i="1" smtClean="0">
+                          <a:latin typeface="Cambria Math" panose="02040503050406030204" pitchFamily="18" charset="0"/>
+                        </a:rPr>
+                        <m:t>=</m:t>
+                      </m:r>
+                    </m:oMath>
+                  </m:oMathPara>
+                </a14:m>
+                <a:endParaRPr lang="zh-TW" altLang="en-US" sz="2400" dirty="0"/>
+              </a:p>
+            </p:txBody>
+          </p:sp>
+        </mc:Choice>
+        <mc:Fallback>
+          <p:sp>
+            <p:nvSpPr>
+              <p:cNvPr id="9" name="文字方塊 8">
+                <a:extLst>
+                  <a:ext uri="{FF2B5EF4-FFF2-40B4-BE49-F238E27FC236}">
+                    <a16:creationId xmlns:a16="http://schemas.microsoft.com/office/drawing/2014/main" id="{D9EB8EF8-D040-97F8-8EAE-B3F390FD828D}"/>
+                  </a:ext>
+                </a:extLst>
+              </p:cNvPr>
+              <p:cNvSpPr txBox="1">
+                <a:spLocks noRot="1" noChangeAspect="1" noMove="1" noResize="1" noEditPoints="1" noAdjustHandles="1" noChangeArrowheads="1" noChangeShapeType="1" noTextEdit="1"/>
+              </p:cNvSpPr>
+              <p:nvPr/>
+            </p:nvSpPr>
+            <p:spPr>
+              <a:xfrm>
+                <a:off x="5660278" y="3959531"/>
+                <a:ext cx="336631" cy="369332"/>
+              </a:xfrm>
+              <a:prstGeom prst="rect">
+                <a:avLst/>
+              </a:prstGeom>
+              <a:blipFill>
+                <a:blip r:embed="rId4"/>
+                <a:stretch>
+                  <a:fillRect l="-3636" r="-3636"/>
+                </a:stretch>
+              </a:blipFill>
+            </p:spPr>
+            <p:txBody>
+              <a:bodyPr/>
+              <a:lstStyle/>
+              <a:p>
+                <a:r>
+                  <a:rPr lang="zh-TW" altLang="en-US">
+                    <a:noFill/>
+                  </a:rPr>
+                  <a:t> </a:t>
+                </a:r>
+              </a:p>
+            </p:txBody>
+          </p:sp>
+        </mc:Fallback>
+      </mc:AlternateContent>
     </p:spTree>
     <p:extLst>
       <p:ext uri="{BB962C8B-B14F-4D97-AF65-F5344CB8AC3E}">
@@ -5915,6 +6091,633 @@
 </file>
 
 <file path=ppt/slides/slide3.xml><?xml version="1.0" encoding="utf-8"?>
+<p:sld xmlns:a="http://schemas.openxmlformats.org/drawingml/2006/main" xmlns:r="http://schemas.openxmlformats.org/officeDocument/2006/relationships" xmlns:p="http://schemas.openxmlformats.org/presentationml/2006/main">
+  <p:cSld>
+    <p:spTree>
+      <p:nvGrpSpPr>
+        <p:cNvPr id="1" name="">
+          <a:extLst>
+            <a:ext uri="{FF2B5EF4-FFF2-40B4-BE49-F238E27FC236}">
+              <a16:creationId xmlns:a16="http://schemas.microsoft.com/office/drawing/2014/main" id="{51A88D3E-9743-A397-2A36-360ACFF223EE}"/>
+            </a:ext>
+          </a:extLst>
+        </p:cNvPr>
+        <p:cNvGrpSpPr/>
+        <p:nvPr/>
+      </p:nvGrpSpPr>
+      <p:grpSpPr>
+        <a:xfrm>
+          <a:off x="0" y="0"/>
+          <a:ext cx="0" cy="0"/>
+          <a:chOff x="0" y="0"/>
+          <a:chExt cx="0" cy="0"/>
+        </a:xfrm>
+      </p:grpSpPr>
+      <p:sp>
+        <p:nvSpPr>
+          <p:cNvPr id="2" name="標題 1">
+            <a:extLst>
+              <a:ext uri="{FF2B5EF4-FFF2-40B4-BE49-F238E27FC236}">
+                <a16:creationId xmlns:a16="http://schemas.microsoft.com/office/drawing/2014/main" id="{8DEDA1A5-568B-96B5-4201-72283A2B495B}"/>
+              </a:ext>
+            </a:extLst>
+          </p:cNvPr>
+          <p:cNvSpPr>
+            <a:spLocks noGrp="1"/>
+          </p:cNvSpPr>
+          <p:nvPr>
+            <p:ph type="title"/>
+          </p:nvPr>
+        </p:nvSpPr>
+        <p:spPr/>
+        <p:txBody>
+          <a:bodyPr/>
+          <a:lstStyle/>
+          <a:p>
+            <a:r>
+              <a:rPr lang="en-US" altLang="zh-TW" dirty="0"/>
+              <a:t>RNM (width)</a:t>
+            </a:r>
+            <a:endParaRPr lang="zh-TW" altLang="en-US" dirty="0"/>
+          </a:p>
+        </p:txBody>
+      </p:sp>
+      <mc:AlternateContent xmlns:mc="http://schemas.openxmlformats.org/markup-compatibility/2006" xmlns:a14="http://schemas.microsoft.com/office/drawing/2010/main">
+        <mc:Choice Requires="a14">
+          <p:sp>
+            <p:nvSpPr>
+              <p:cNvPr id="3" name="內容版面配置區 2">
+                <a:extLst>
+                  <a:ext uri="{FF2B5EF4-FFF2-40B4-BE49-F238E27FC236}">
+                    <a16:creationId xmlns:a16="http://schemas.microsoft.com/office/drawing/2014/main" id="{8C53240C-C1DD-B4CF-B72D-30ECC29BC680}"/>
+                  </a:ext>
+                </a:extLst>
+              </p:cNvPr>
+              <p:cNvSpPr>
+                <a:spLocks noGrp="1"/>
+              </p:cNvSpPr>
+              <p:nvPr>
+                <p:ph idx="1"/>
+              </p:nvPr>
+            </p:nvSpPr>
+            <p:spPr/>
+            <p:txBody>
+              <a:bodyPr/>
+              <a:lstStyle/>
+              <a:p>
+                <a:r>
+                  <a:rPr lang="en-US" altLang="zh-TW" dirty="0"/>
+                  <a:t>Noise margin </a:t>
+                </a:r>
+                <a14:m>
+                  <m:oMath xmlns:m="http://schemas.openxmlformats.org/officeDocument/2006/math">
+                    <m:r>
+                      <a:rPr lang="en-US" altLang="zh-TW" i="1">
+                        <a:latin typeface="Cambria Math" panose="02040503050406030204" pitchFamily="18" charset="0"/>
+                        <a:ea typeface="Cambria Math" panose="02040503050406030204" pitchFamily="18" charset="0"/>
+                      </a:rPr>
+                      <m:t>↑ </m:t>
+                    </m:r>
+                  </m:oMath>
+                </a14:m>
+                <a:r>
+                  <a:rPr lang="en-US" altLang="zh-TW" dirty="0"/>
+                  <a:t>with </a:t>
+                </a:r>
+                <a:r>
+                  <a:rPr lang="en-US" altLang="zh-TW" dirty="0" err="1"/>
+                  <a:t>Wa</a:t>
+                </a:r>
+                <a:r>
+                  <a:rPr lang="en-US" altLang="zh-TW" dirty="0"/>
+                  <a:t> </a:t>
+                </a:r>
+                <a14:m>
+                  <m:oMath xmlns:m="http://schemas.openxmlformats.org/officeDocument/2006/math">
+                    <m:r>
+                      <a:rPr lang="en-US" altLang="zh-TW" i="1" smtClean="0">
+                        <a:latin typeface="Cambria Math" panose="02040503050406030204" pitchFamily="18" charset="0"/>
+                        <a:ea typeface="Cambria Math" panose="02040503050406030204" pitchFamily="18" charset="0"/>
+                      </a:rPr>
+                      <m:t>↓</m:t>
+                    </m:r>
+                  </m:oMath>
+                </a14:m>
+                <a:endParaRPr lang="en-US" altLang="zh-TW" dirty="0"/>
+              </a:p>
+              <a:p>
+                <a:pPr lvl="1"/>
+                <a:r>
+                  <a:rPr lang="en-US" altLang="zh-TW" dirty="0"/>
+                  <a:t>VDD = 1.8 V</a:t>
+                </a:r>
+                <a:endParaRPr lang="zh-TW" altLang="en-US" dirty="0"/>
+              </a:p>
+            </p:txBody>
+          </p:sp>
+        </mc:Choice>
+        <mc:Fallback xmlns="">
+          <p:sp>
+            <p:nvSpPr>
+              <p:cNvPr id="3" name="內容版面配置區 2">
+                <a:extLst>
+                  <a:ext uri="{FF2B5EF4-FFF2-40B4-BE49-F238E27FC236}">
+                    <a16:creationId xmlns:a16="http://schemas.microsoft.com/office/drawing/2014/main" id="{504595DC-E3C5-3351-1A20-C707C5DD2610}"/>
+                  </a:ext>
+                </a:extLst>
+              </p:cNvPr>
+              <p:cNvSpPr>
+                <a:spLocks noGrp="1" noRot="1" noChangeAspect="1" noMove="1" noResize="1" noEditPoints="1" noAdjustHandles="1" noChangeArrowheads="1" noChangeShapeType="1" noTextEdit="1"/>
+              </p:cNvSpPr>
+              <p:nvPr>
+                <p:ph idx="1"/>
+              </p:nvPr>
+            </p:nvSpPr>
+            <p:spPr>
+              <a:blipFill>
+                <a:blip r:embed="rId2"/>
+                <a:stretch>
+                  <a:fillRect l="-1259" t="-1615"/>
+                </a:stretch>
+              </a:blipFill>
+            </p:spPr>
+            <p:txBody>
+              <a:bodyPr/>
+              <a:lstStyle/>
+              <a:p>
+                <a:r>
+                  <a:rPr lang="zh-TW" altLang="en-US">
+                    <a:noFill/>
+                  </a:rPr>
+                  <a:t> </a:t>
+                </a:r>
+              </a:p>
+            </p:txBody>
+          </p:sp>
+        </mc:Fallback>
+      </mc:AlternateContent>
+      <p:sp>
+        <p:nvSpPr>
+          <p:cNvPr id="4" name="投影片編號版面配置區 3">
+            <a:extLst>
+              <a:ext uri="{FF2B5EF4-FFF2-40B4-BE49-F238E27FC236}">
+                <a16:creationId xmlns:a16="http://schemas.microsoft.com/office/drawing/2014/main" id="{1ED78882-C3E9-7BE3-B81F-74A56F87C5FC}"/>
+              </a:ext>
+            </a:extLst>
+          </p:cNvPr>
+          <p:cNvSpPr>
+            <a:spLocks noGrp="1"/>
+          </p:cNvSpPr>
+          <p:nvPr>
+            <p:ph type="sldNum" sz="quarter" idx="12"/>
+          </p:nvPr>
+        </p:nvSpPr>
+        <p:spPr/>
+        <p:txBody>
+          <a:bodyPr/>
+          <a:lstStyle/>
+          <a:p>
+            <a:pPr>
+              <a:defRPr/>
+            </a:pPr>
+            <a:fld id="{8F5F56E1-31C3-4936-AC76-6E9C056A1F24}" type="slidenum">
+              <a:rPr lang="en-US" altLang="zh-TW" smtClean="0"/>
+              <a:pPr>
+                <a:defRPr/>
+              </a:pPr>
+              <a:t>3</a:t>
+            </a:fld>
+            <a:endParaRPr lang="en-US" altLang="zh-TW"/>
+          </a:p>
+        </p:txBody>
+      </p:sp>
+      <p:grpSp>
+        <p:nvGrpSpPr>
+          <p:cNvPr id="13" name="群組 12">
+            <a:extLst>
+              <a:ext uri="{FF2B5EF4-FFF2-40B4-BE49-F238E27FC236}">
+                <a16:creationId xmlns:a16="http://schemas.microsoft.com/office/drawing/2014/main" id="{F0CA5C00-29F5-B7FB-8A7D-A52CBAFF8F86}"/>
+              </a:ext>
+            </a:extLst>
+          </p:cNvPr>
+          <p:cNvGrpSpPr/>
+          <p:nvPr/>
+        </p:nvGrpSpPr>
+        <p:grpSpPr>
+          <a:xfrm>
+            <a:off x="921211" y="3865562"/>
+            <a:ext cx="7301577" cy="744304"/>
+            <a:chOff x="1597656" y="3413586"/>
+            <a:chExt cx="5728929" cy="920586"/>
+          </a:xfrm>
+        </p:grpSpPr>
+        <p:grpSp>
+          <p:nvGrpSpPr>
+            <p:cNvPr id="5" name="群組 4">
+              <a:extLst>
+                <a:ext uri="{FF2B5EF4-FFF2-40B4-BE49-F238E27FC236}">
+                  <a16:creationId xmlns:a16="http://schemas.microsoft.com/office/drawing/2014/main" id="{3E3B85AC-F26C-78A3-C816-72BE80DBA8D0}"/>
+                </a:ext>
+              </a:extLst>
+            </p:cNvPr>
+            <p:cNvGrpSpPr/>
+            <p:nvPr/>
+          </p:nvGrpSpPr>
+          <p:grpSpPr>
+            <a:xfrm>
+              <a:off x="1597656" y="3413586"/>
+              <a:ext cx="3759927" cy="920586"/>
+              <a:chOff x="1597656" y="3394980"/>
+              <a:chExt cx="3759927" cy="842238"/>
+            </a:xfrm>
+          </p:grpSpPr>
+          <p:sp>
+            <p:nvSpPr>
+              <p:cNvPr id="7" name="文字方塊 6">
+                <a:extLst>
+                  <a:ext uri="{FF2B5EF4-FFF2-40B4-BE49-F238E27FC236}">
+                    <a16:creationId xmlns:a16="http://schemas.microsoft.com/office/drawing/2014/main" id="{2161F9F2-D1AE-FC81-C703-4B7758C802E4}"/>
+                  </a:ext>
+                </a:extLst>
+              </p:cNvPr>
+              <p:cNvSpPr txBox="1"/>
+              <p:nvPr/>
+            </p:nvSpPr>
+            <p:spPr>
+              <a:xfrm>
+                <a:off x="3613882" y="3394980"/>
+                <a:ext cx="1743701" cy="731374"/>
+              </a:xfrm>
+              <a:prstGeom prst="rect">
+                <a:avLst/>
+              </a:prstGeom>
+              <a:noFill/>
+            </p:spPr>
+            <p:txBody>
+              <a:bodyPr wrap="square" rtlCol="0">
+                <a:spAutoFit/>
+              </a:bodyPr>
+              <a:lstStyle/>
+              <a:p>
+                <a:pPr algn="ctr"/>
+                <a:r>
+                  <a:rPr lang="en-US" altLang="zh-TW" dirty="0" err="1"/>
+                  <a:t>Wa</a:t>
+                </a:r>
+                <a:r>
+                  <a:rPr lang="en-US" altLang="zh-TW" dirty="0"/>
+                  <a:t> = 0.48 um</a:t>
+                </a:r>
+              </a:p>
+              <a:p>
+                <a:pPr algn="ctr"/>
+                <a:r>
+                  <a:rPr lang="en-US" altLang="zh-TW" dirty="0"/>
+                  <a:t>0.291</a:t>
+                </a:r>
+                <a:endParaRPr lang="zh-TW" altLang="en-US" dirty="0"/>
+              </a:p>
+            </p:txBody>
+          </p:sp>
+          <p:sp>
+            <p:nvSpPr>
+              <p:cNvPr id="8" name="文字方塊 7">
+                <a:extLst>
+                  <a:ext uri="{FF2B5EF4-FFF2-40B4-BE49-F238E27FC236}">
+                    <a16:creationId xmlns:a16="http://schemas.microsoft.com/office/drawing/2014/main" id="{D4F78B32-59B5-9D60-0767-622006939514}"/>
+                  </a:ext>
+                </a:extLst>
+              </p:cNvPr>
+              <p:cNvSpPr txBox="1"/>
+              <p:nvPr/>
+            </p:nvSpPr>
+            <p:spPr>
+              <a:xfrm>
+                <a:off x="1979712" y="3645894"/>
+                <a:ext cx="936103" cy="591324"/>
+              </a:xfrm>
+              <a:prstGeom prst="rect">
+                <a:avLst/>
+              </a:prstGeom>
+              <a:noFill/>
+            </p:spPr>
+            <p:txBody>
+              <a:bodyPr wrap="square" rtlCol="0">
+                <a:spAutoFit/>
+              </a:bodyPr>
+              <a:lstStyle/>
+              <a:p>
+                <a:pPr algn="ctr"/>
+                <a:endParaRPr lang="en-US" altLang="zh-TW" dirty="0"/>
+              </a:p>
+              <a:p>
+                <a:pPr algn="ctr"/>
+                <a:endParaRPr lang="zh-TW" altLang="en-US" dirty="0"/>
+              </a:p>
+            </p:txBody>
+          </p:sp>
+          <p:sp>
+            <p:nvSpPr>
+              <p:cNvPr id="11" name="文字方塊 10">
+                <a:extLst>
+                  <a:ext uri="{FF2B5EF4-FFF2-40B4-BE49-F238E27FC236}">
+                    <a16:creationId xmlns:a16="http://schemas.microsoft.com/office/drawing/2014/main" id="{389CB92A-04EF-0196-32A9-3999780E919D}"/>
+                  </a:ext>
+                </a:extLst>
+              </p:cNvPr>
+              <p:cNvSpPr txBox="1"/>
+              <p:nvPr/>
+            </p:nvSpPr>
+            <p:spPr>
+              <a:xfrm>
+                <a:off x="1597656" y="3394980"/>
+                <a:ext cx="2016226" cy="731374"/>
+              </a:xfrm>
+              <a:prstGeom prst="rect">
+                <a:avLst/>
+              </a:prstGeom>
+              <a:noFill/>
+            </p:spPr>
+            <p:txBody>
+              <a:bodyPr wrap="square" rtlCol="0">
+                <a:spAutoFit/>
+              </a:bodyPr>
+              <a:lstStyle/>
+              <a:p>
+                <a:pPr algn="ctr"/>
+                <a:r>
+                  <a:rPr lang="en-US" altLang="zh-TW" dirty="0" err="1"/>
+                  <a:t>Wa</a:t>
+                </a:r>
+                <a:r>
+                  <a:rPr lang="en-US" altLang="zh-TW" dirty="0"/>
+                  <a:t> = 0.36 um</a:t>
+                </a:r>
+              </a:p>
+              <a:p>
+                <a:pPr algn="ctr"/>
+                <a:r>
+                  <a:rPr lang="en-US" altLang="zh-TW" dirty="0"/>
+                  <a:t>0.373</a:t>
+                </a:r>
+                <a:endParaRPr lang="zh-TW" altLang="en-US" dirty="0"/>
+              </a:p>
+            </p:txBody>
+          </p:sp>
+        </p:grpSp>
+        <p:sp>
+          <p:nvSpPr>
+            <p:cNvPr id="12" name="文字方塊 11">
+              <a:extLst>
+                <a:ext uri="{FF2B5EF4-FFF2-40B4-BE49-F238E27FC236}">
+                  <a16:creationId xmlns:a16="http://schemas.microsoft.com/office/drawing/2014/main" id="{C6D0CCCC-0CD6-6F25-BACA-97AF17903E12}"/>
+                </a:ext>
+              </a:extLst>
+            </p:cNvPr>
+            <p:cNvSpPr txBox="1"/>
+            <p:nvPr/>
+          </p:nvSpPr>
+          <p:spPr>
+            <a:xfrm>
+              <a:off x="5310359" y="3417633"/>
+              <a:ext cx="2016226" cy="799409"/>
+            </a:xfrm>
+            <a:prstGeom prst="rect">
+              <a:avLst/>
+            </a:prstGeom>
+            <a:noFill/>
+          </p:spPr>
+          <p:txBody>
+            <a:bodyPr wrap="square" rtlCol="0">
+              <a:spAutoFit/>
+            </a:bodyPr>
+            <a:lstStyle/>
+            <a:p>
+              <a:pPr algn="ctr"/>
+              <a:r>
+                <a:rPr lang="en-US" altLang="zh-TW" dirty="0" err="1"/>
+                <a:t>Wa</a:t>
+              </a:r>
+              <a:r>
+                <a:rPr lang="en-US" altLang="zh-TW" dirty="0"/>
+                <a:t> = 0.60 um</a:t>
+              </a:r>
+            </a:p>
+            <a:p>
+              <a:pPr algn="ctr"/>
+              <a:r>
+                <a:rPr lang="en-US" altLang="zh-TW" dirty="0"/>
+                <a:t>0.222</a:t>
+              </a:r>
+              <a:endParaRPr lang="zh-TW" altLang="en-US" dirty="0"/>
+            </a:p>
+          </p:txBody>
+        </p:sp>
+      </p:grpSp>
+      <mc:AlternateContent xmlns:mc="http://schemas.openxmlformats.org/markup-compatibility/2006">
+        <mc:Choice xmlns:a14="http://schemas.microsoft.com/office/drawing/2010/main" Requires="a14">
+          <p:sp>
+            <p:nvSpPr>
+              <p:cNvPr id="6" name="文字方塊 5">
+                <a:extLst>
+                  <a:ext uri="{FF2B5EF4-FFF2-40B4-BE49-F238E27FC236}">
+                    <a16:creationId xmlns:a16="http://schemas.microsoft.com/office/drawing/2014/main" id="{5E512C07-58A7-051C-23DE-8E2C81DD8ABC}"/>
+                  </a:ext>
+                </a:extLst>
+              </p:cNvPr>
+              <p:cNvSpPr txBox="1"/>
+              <p:nvPr/>
+            </p:nvSpPr>
+            <p:spPr>
+              <a:xfrm>
+                <a:off x="3246430" y="3959531"/>
+                <a:ext cx="336631" cy="369332"/>
+              </a:xfrm>
+              <a:prstGeom prst="rect">
+                <a:avLst/>
+              </a:prstGeom>
+              <a:noFill/>
+            </p:spPr>
+            <p:txBody>
+              <a:bodyPr wrap="none" lIns="0" tIns="0" rIns="0" bIns="0" rtlCol="0">
+                <a:spAutoFit/>
+              </a:bodyPr>
+              <a:lstStyle/>
+              <a:p>
+                <a14:m>
+                  <m:oMathPara xmlns:m="http://schemas.openxmlformats.org/officeDocument/2006/math">
+                    <m:oMathParaPr>
+                      <m:jc m:val="centerGroup"/>
+                    </m:oMathParaPr>
+                    <m:oMath xmlns:m="http://schemas.openxmlformats.org/officeDocument/2006/math">
+                      <m:r>
+                        <a:rPr lang="en-US" altLang="zh-TW" sz="2400" b="1" i="1" smtClean="0">
+                          <a:latin typeface="Cambria Math" panose="02040503050406030204" pitchFamily="18" charset="0"/>
+                        </a:rPr>
+                        <m:t>&gt;</m:t>
+                      </m:r>
+                    </m:oMath>
+                  </m:oMathPara>
+                </a14:m>
+                <a:endParaRPr lang="zh-TW" altLang="en-US" sz="2400" dirty="0"/>
+              </a:p>
+            </p:txBody>
+          </p:sp>
+        </mc:Choice>
+        <mc:Fallback>
+          <p:sp>
+            <p:nvSpPr>
+              <p:cNvPr id="6" name="文字方塊 5">
+                <a:extLst>
+                  <a:ext uri="{FF2B5EF4-FFF2-40B4-BE49-F238E27FC236}">
+                    <a16:creationId xmlns:a16="http://schemas.microsoft.com/office/drawing/2014/main" id="{5E512C07-58A7-051C-23DE-8E2C81DD8ABC}"/>
+                  </a:ext>
+                </a:extLst>
+              </p:cNvPr>
+              <p:cNvSpPr txBox="1">
+                <a:spLocks noRot="1" noChangeAspect="1" noMove="1" noResize="1" noEditPoints="1" noAdjustHandles="1" noChangeArrowheads="1" noChangeShapeType="1" noTextEdit="1"/>
+              </p:cNvSpPr>
+              <p:nvPr/>
+            </p:nvSpPr>
+            <p:spPr>
+              <a:xfrm>
+                <a:off x="3246430" y="3959531"/>
+                <a:ext cx="336631" cy="369332"/>
+              </a:xfrm>
+              <a:prstGeom prst="rect">
+                <a:avLst/>
+              </a:prstGeom>
+              <a:blipFill>
+                <a:blip r:embed="rId3"/>
+                <a:stretch>
+                  <a:fillRect l="-12727" r="-12727" b="-10000"/>
+                </a:stretch>
+              </a:blipFill>
+            </p:spPr>
+            <p:txBody>
+              <a:bodyPr/>
+              <a:lstStyle/>
+              <a:p>
+                <a:r>
+                  <a:rPr lang="zh-TW" altLang="en-US">
+                    <a:noFill/>
+                  </a:rPr>
+                  <a:t> </a:t>
+                </a:r>
+              </a:p>
+            </p:txBody>
+          </p:sp>
+        </mc:Fallback>
+      </mc:AlternateContent>
+      <mc:AlternateContent xmlns:mc="http://schemas.openxmlformats.org/markup-compatibility/2006">
+        <mc:Choice xmlns:a14="http://schemas.microsoft.com/office/drawing/2010/main" Requires="a14">
+          <p:sp>
+            <p:nvSpPr>
+              <p:cNvPr id="9" name="文字方塊 8">
+                <a:extLst>
+                  <a:ext uri="{FF2B5EF4-FFF2-40B4-BE49-F238E27FC236}">
+                    <a16:creationId xmlns:a16="http://schemas.microsoft.com/office/drawing/2014/main" id="{E04AF4AC-83BA-D00C-188B-F58CA3806BC9}"/>
+                  </a:ext>
+                </a:extLst>
+              </p:cNvPr>
+              <p:cNvSpPr txBox="1"/>
+              <p:nvPr/>
+            </p:nvSpPr>
+            <p:spPr>
+              <a:xfrm>
+                <a:off x="5660278" y="3959531"/>
+                <a:ext cx="336631" cy="369332"/>
+              </a:xfrm>
+              <a:prstGeom prst="rect">
+                <a:avLst/>
+              </a:prstGeom>
+              <a:noFill/>
+            </p:spPr>
+            <p:txBody>
+              <a:bodyPr wrap="none" lIns="0" tIns="0" rIns="0" bIns="0" rtlCol="0">
+                <a:spAutoFit/>
+              </a:bodyPr>
+              <a:lstStyle/>
+              <a:p>
+                <a14:m>
+                  <m:oMathPara xmlns:m="http://schemas.openxmlformats.org/officeDocument/2006/math">
+                    <m:oMathParaPr>
+                      <m:jc m:val="centerGroup"/>
+                    </m:oMathParaPr>
+                    <m:oMath xmlns:m="http://schemas.openxmlformats.org/officeDocument/2006/math">
+                      <m:r>
+                        <a:rPr lang="en-US" altLang="zh-TW" sz="2400" b="1" i="1" smtClean="0">
+                          <a:latin typeface="Cambria Math" panose="02040503050406030204" pitchFamily="18" charset="0"/>
+                        </a:rPr>
+                        <m:t>&gt;</m:t>
+                      </m:r>
+                    </m:oMath>
+                  </m:oMathPara>
+                </a14:m>
+                <a:endParaRPr lang="zh-TW" altLang="en-US" sz="2400" dirty="0"/>
+              </a:p>
+            </p:txBody>
+          </p:sp>
+        </mc:Choice>
+        <mc:Fallback>
+          <p:sp>
+            <p:nvSpPr>
+              <p:cNvPr id="9" name="文字方塊 8">
+                <a:extLst>
+                  <a:ext uri="{FF2B5EF4-FFF2-40B4-BE49-F238E27FC236}">
+                    <a16:creationId xmlns:a16="http://schemas.microsoft.com/office/drawing/2014/main" id="{E04AF4AC-83BA-D00C-188B-F58CA3806BC9}"/>
+                  </a:ext>
+                </a:extLst>
+              </p:cNvPr>
+              <p:cNvSpPr txBox="1">
+                <a:spLocks noRot="1" noChangeAspect="1" noMove="1" noResize="1" noEditPoints="1" noAdjustHandles="1" noChangeArrowheads="1" noChangeShapeType="1" noTextEdit="1"/>
+              </p:cNvSpPr>
+              <p:nvPr/>
+            </p:nvSpPr>
+            <p:spPr>
+              <a:xfrm>
+                <a:off x="5660278" y="3959531"/>
+                <a:ext cx="336631" cy="369332"/>
+              </a:xfrm>
+              <a:prstGeom prst="rect">
+                <a:avLst/>
+              </a:prstGeom>
+              <a:blipFill>
+                <a:blip r:embed="rId4"/>
+                <a:stretch>
+                  <a:fillRect l="-12727" r="-12727" b="-10000"/>
+                </a:stretch>
+              </a:blipFill>
+            </p:spPr>
+            <p:txBody>
+              <a:bodyPr/>
+              <a:lstStyle/>
+              <a:p>
+                <a:r>
+                  <a:rPr lang="zh-TW" altLang="en-US">
+                    <a:noFill/>
+                  </a:rPr>
+                  <a:t> </a:t>
+                </a:r>
+              </a:p>
+            </p:txBody>
+          </p:sp>
+        </mc:Fallback>
+      </mc:AlternateContent>
+    </p:spTree>
+    <p:extLst>
+      <p:ext uri="{BB962C8B-B14F-4D97-AF65-F5344CB8AC3E}">
+        <p14:creationId xmlns:p14="http://schemas.microsoft.com/office/powerpoint/2010/main" val="2473836162"/>
+      </p:ext>
+    </p:extLst>
+  </p:cSld>
+  <p:clrMapOvr>
+    <a:masterClrMapping/>
+  </p:clrMapOvr>
+</p:sld>
+</file>
+
+<file path=ppt/slides/slide4.xml><?xml version="1.0" encoding="utf-8"?>
 <p:sld xmlns:a="http://schemas.openxmlformats.org/drawingml/2006/main" xmlns:r="http://schemas.openxmlformats.org/officeDocument/2006/relationships" xmlns:p="http://schemas.openxmlformats.org/presentationml/2006/main">
   <p:cSld>
     <p:spTree>
@@ -6109,7 +6912,7 @@
               <a:pPr>
                 <a:defRPr/>
               </a:pPr>
-              <a:t>3</a:t>
+              <a:t>4</a:t>
             </a:fld>
             <a:endParaRPr lang="en-US" altLang="zh-TW"/>
           </a:p>
@@ -6338,6 +7141,196 @@
           </p:txBody>
         </p:sp>
       </p:grpSp>
+      <mc:AlternateContent xmlns:mc="http://schemas.openxmlformats.org/markup-compatibility/2006">
+        <mc:Choice xmlns:a14="http://schemas.microsoft.com/office/drawing/2010/main" Requires="a14">
+          <p:sp>
+            <p:nvSpPr>
+              <p:cNvPr id="6" name="文字方塊 5">
+                <a:extLst>
+                  <a:ext uri="{FF2B5EF4-FFF2-40B4-BE49-F238E27FC236}">
+                    <a16:creationId xmlns:a16="http://schemas.microsoft.com/office/drawing/2014/main" id="{E3F10E23-A852-0B42-AE2F-8C807B3014CC}"/>
+                  </a:ext>
+                </a:extLst>
+              </p:cNvPr>
+              <p:cNvSpPr txBox="1"/>
+              <p:nvPr/>
+            </p:nvSpPr>
+            <p:spPr>
+              <a:xfrm>
+                <a:off x="3204890" y="4006882"/>
+                <a:ext cx="336631" cy="369332"/>
+              </a:xfrm>
+              <a:prstGeom prst="rect">
+                <a:avLst/>
+              </a:prstGeom>
+              <a:noFill/>
+            </p:spPr>
+            <p:txBody>
+              <a:bodyPr wrap="none" lIns="0" tIns="0" rIns="0" bIns="0" rtlCol="0">
+                <a:spAutoFit/>
+              </a:bodyPr>
+              <a:lstStyle/>
+              <a:p>
+                <a14:m>
+                  <m:oMathPara xmlns:m="http://schemas.openxmlformats.org/officeDocument/2006/math">
+                    <m:oMathParaPr>
+                      <m:jc m:val="centerGroup"/>
+                    </m:oMathParaPr>
+                    <m:oMath xmlns:m="http://schemas.openxmlformats.org/officeDocument/2006/math">
+                      <m:r>
+                        <a:rPr lang="en-US" altLang="zh-TW" sz="2400" i="1">
+                          <a:latin typeface="Cambria Math" panose="02040503050406030204" pitchFamily="18" charset="0"/>
+                        </a:rPr>
+                        <m:t>&lt;</m:t>
+                      </m:r>
+                    </m:oMath>
+                  </m:oMathPara>
+                </a14:m>
+                <a:endParaRPr lang="zh-TW" altLang="en-US" sz="2400" dirty="0"/>
+              </a:p>
+            </p:txBody>
+          </p:sp>
+        </mc:Choice>
+        <mc:Fallback>
+          <p:sp>
+            <p:nvSpPr>
+              <p:cNvPr id="6" name="文字方塊 5">
+                <a:extLst>
+                  <a:ext uri="{FF2B5EF4-FFF2-40B4-BE49-F238E27FC236}">
+                    <a16:creationId xmlns:a16="http://schemas.microsoft.com/office/drawing/2014/main" id="{E3F10E23-A852-0B42-AE2F-8C807B3014CC}"/>
+                  </a:ext>
+                </a:extLst>
+              </p:cNvPr>
+              <p:cNvSpPr txBox="1">
+                <a:spLocks noRot="1" noChangeAspect="1" noMove="1" noResize="1" noEditPoints="1" noAdjustHandles="1" noChangeArrowheads="1" noChangeShapeType="1" noTextEdit="1"/>
+              </p:cNvSpPr>
+              <p:nvPr/>
+            </p:nvSpPr>
+            <p:spPr>
+              <a:xfrm>
+                <a:off x="3204890" y="4006882"/>
+                <a:ext cx="336631" cy="369332"/>
+              </a:xfrm>
+              <a:prstGeom prst="rect">
+                <a:avLst/>
+              </a:prstGeom>
+              <a:blipFill>
+                <a:blip r:embed="rId3"/>
+                <a:stretch>
+                  <a:fillRect l="-12727" r="-12727" b="-8197"/>
+                </a:stretch>
+              </a:blipFill>
+            </p:spPr>
+            <p:txBody>
+              <a:bodyPr/>
+              <a:lstStyle/>
+              <a:p>
+                <a:r>
+                  <a:rPr lang="zh-TW" altLang="en-US">
+                    <a:noFill/>
+                  </a:rPr>
+                  <a:t> </a:t>
+                </a:r>
+              </a:p>
+            </p:txBody>
+          </p:sp>
+        </mc:Fallback>
+      </mc:AlternateContent>
+      <mc:AlternateContent xmlns:mc="http://schemas.openxmlformats.org/markup-compatibility/2006">
+        <mc:Choice xmlns:a14="http://schemas.microsoft.com/office/drawing/2010/main" Requires="a14">
+          <p:sp>
+            <p:nvSpPr>
+              <p:cNvPr id="9" name="文字方塊 8">
+                <a:extLst>
+                  <a:ext uri="{FF2B5EF4-FFF2-40B4-BE49-F238E27FC236}">
+                    <a16:creationId xmlns:a16="http://schemas.microsoft.com/office/drawing/2014/main" id="{9918A617-7CCF-A34C-4CFE-38B1558DD84B}"/>
+                  </a:ext>
+                </a:extLst>
+              </p:cNvPr>
+              <p:cNvSpPr txBox="1"/>
+              <p:nvPr/>
+            </p:nvSpPr>
+            <p:spPr>
+              <a:xfrm>
+                <a:off x="5618738" y="4006882"/>
+                <a:ext cx="336631" cy="369332"/>
+              </a:xfrm>
+              <a:prstGeom prst="rect">
+                <a:avLst/>
+              </a:prstGeom>
+              <a:noFill/>
+            </p:spPr>
+            <p:txBody>
+              <a:bodyPr wrap="none" lIns="0" tIns="0" rIns="0" bIns="0" rtlCol="0">
+                <a:spAutoFit/>
+              </a:bodyPr>
+              <a:lstStyle/>
+              <a:p>
+                <a14:m>
+                  <m:oMathPara xmlns:m="http://schemas.openxmlformats.org/officeDocument/2006/math">
+                    <m:oMathParaPr>
+                      <m:jc m:val="centerGroup"/>
+                    </m:oMathParaPr>
+                    <m:oMath xmlns:m="http://schemas.openxmlformats.org/officeDocument/2006/math">
+                      <m:r>
+                        <a:rPr lang="en-US" altLang="zh-TW" sz="2400" i="1">
+                          <a:latin typeface="Cambria Math" panose="02040503050406030204" pitchFamily="18" charset="0"/>
+                        </a:rPr>
+                        <m:t>&lt;</m:t>
+                      </m:r>
+                    </m:oMath>
+                  </m:oMathPara>
+                </a14:m>
+                <a:endParaRPr lang="zh-TW" altLang="en-US" sz="2400" dirty="0"/>
+              </a:p>
+            </p:txBody>
+          </p:sp>
+        </mc:Choice>
+        <mc:Fallback>
+          <p:sp>
+            <p:nvSpPr>
+              <p:cNvPr id="9" name="文字方塊 8">
+                <a:extLst>
+                  <a:ext uri="{FF2B5EF4-FFF2-40B4-BE49-F238E27FC236}">
+                    <a16:creationId xmlns:a16="http://schemas.microsoft.com/office/drawing/2014/main" id="{9918A617-7CCF-A34C-4CFE-38B1558DD84B}"/>
+                  </a:ext>
+                </a:extLst>
+              </p:cNvPr>
+              <p:cNvSpPr txBox="1">
+                <a:spLocks noRot="1" noChangeAspect="1" noMove="1" noResize="1" noEditPoints="1" noAdjustHandles="1" noChangeArrowheads="1" noChangeShapeType="1" noTextEdit="1"/>
+              </p:cNvSpPr>
+              <p:nvPr/>
+            </p:nvSpPr>
+            <p:spPr>
+              <a:xfrm>
+                <a:off x="5618738" y="4006882"/>
+                <a:ext cx="336631" cy="369332"/>
+              </a:xfrm>
+              <a:prstGeom prst="rect">
+                <a:avLst/>
+              </a:prstGeom>
+              <a:blipFill>
+                <a:blip r:embed="rId3"/>
+                <a:stretch>
+                  <a:fillRect l="-12727" r="-12727" b="-8197"/>
+                </a:stretch>
+              </a:blipFill>
+            </p:spPr>
+            <p:txBody>
+              <a:bodyPr/>
+              <a:lstStyle/>
+              <a:p>
+                <a:r>
+                  <a:rPr lang="zh-TW" altLang="en-US">
+                    <a:noFill/>
+                  </a:rPr>
+                  <a:t> </a:t>
+                </a:r>
+              </a:p>
+            </p:txBody>
+          </p:sp>
+        </mc:Fallback>
+      </mc:AlternateContent>
     </p:spTree>
     <p:extLst>
       <p:ext uri="{BB962C8B-B14F-4D97-AF65-F5344CB8AC3E}">

--- a/andfa/FAND.pptx
+++ b/andfa/FAND.pptx
@@ -22381,8 +22381,8 @@
           </a:p>
         </p:txBody>
       </p:sp>
-      <mc:AlternateContent xmlns:mc="http://schemas.openxmlformats.org/markup-compatibility/2006" xmlns:a14="http://schemas.microsoft.com/office/drawing/2010/main">
-        <mc:Choice Requires="a14">
+      <mc:AlternateContent xmlns:mc="http://schemas.openxmlformats.org/markup-compatibility/2006">
+        <mc:Choice xmlns:a14="http://schemas.microsoft.com/office/drawing/2010/main" Requires="a14">
           <p:sp>
             <p:nvSpPr>
               <p:cNvPr id="3" name="內容版面配置區 2">
@@ -22459,30 +22459,32 @@
                         <a:latin typeface="Cambria Math" panose="02040503050406030204" pitchFamily="18" charset="0"/>
                         <a:ea typeface="Cambria Math" panose="02040503050406030204" pitchFamily="18" charset="0"/>
                       </a:rPr>
-                      <m:t>↑ </m:t>
+                      <m:t>↓</m:t>
                     </m:r>
                   </m:oMath>
                 </a14:m>
                 <a:r>
                   <a:rPr lang="en-US" altLang="zh-TW" dirty="0"/>
-                  <a:t>with </a:t>
+                  <a:t> with </a:t>
                 </a:r>
                 <a:r>
                   <a:rPr lang="en-US" altLang="zh-TW" dirty="0" err="1"/>
                   <a:t>Wa</a:t>
                 </a:r>
                 <a:r>
-                  <a:rPr lang="en-US" altLang="zh-TW" dirty="0"/>
+                  <a:rPr lang="en-US" altLang="zh-TW" dirty="0">
+                    <a:ea typeface="Cambria Math" panose="02040503050406030204" pitchFamily="18" charset="0"/>
+                  </a:rPr>
                   <a:t> </a:t>
                 </a:r>
                 <a14:m>
                   <m:oMath xmlns:m="http://schemas.openxmlformats.org/officeDocument/2006/math">
                     <m:r>
-                      <a:rPr lang="en-US" altLang="zh-TW" i="1" smtClean="0">
+                      <a:rPr lang="en-US" altLang="zh-TW" i="1">
                         <a:latin typeface="Cambria Math" panose="02040503050406030204" pitchFamily="18" charset="0"/>
                         <a:ea typeface="Cambria Math" panose="02040503050406030204" pitchFamily="18" charset="0"/>
                       </a:rPr>
-                      <m:t>↓</m:t>
+                      <m:t>↑ </m:t>
                     </m:r>
                   </m:oMath>
                 </a14:m>
@@ -22547,7 +22549,7 @@
             </p:txBody>
           </p:sp>
         </mc:Choice>
-        <mc:Fallback xmlns="">
+        <mc:Fallback>
           <p:sp>
             <p:nvSpPr>
               <p:cNvPr id="3" name="內容版面配置區 2">
@@ -25169,7 +25171,7 @@
           <a:p>
             <a:r>
               <a:rPr lang="en-US" altLang="zh-TW" dirty="0"/>
-              <a:t>Delay: FS &gt; TT</a:t>
+              <a:t>Delay: FS &gt; SF</a:t>
             </a:r>
           </a:p>
           <a:p>
